--- a/teaser1.pptx
+++ b/teaser1.pptx
@@ -2181,6 +2181,13 @@
               <a:t>o</a:t>
             </a:r>
             <a:r>
+              <a:rPr lang="pt-BR" sz="1400" b="1" spc="100" dirty="0" smtClean="0">
+                <a:latin typeface="Arial"/>
+                <a:cs typeface="Arial"/>
+              </a:rPr>
+              <a:t> </a:t>
+            </a:r>
+            <a:r>
               <a:rPr sz="1400" b="1" spc="-105" dirty="0" err="1" smtClean="0">
                 <a:latin typeface="Arial"/>
                 <a:cs typeface="Arial"/>

--- a/teaser1.pptx
+++ b/teaser1.pptx
@@ -387,7 +387,7 @@
           <a:p>
             <a:fld id="{1D8BD707-D9CF-40AE-B4C6-C98DA3205C09}" type="datetimeFigureOut">
               <a:rPr lang="en-US"/>
-              <a:t>12/16/2022</a:t>
+              <a:t>12/17/2022</a:t>
             </a:fld>
             <a:endParaRPr lang="en-US"/>
           </a:p>
@@ -592,7 +592,7 @@
           <a:p>
             <a:fld id="{1D8BD707-D9CF-40AE-B4C6-C98DA3205C09}" type="datetimeFigureOut">
               <a:rPr lang="en-US"/>
-              <a:t>12/16/2022</a:t>
+              <a:t>12/17/2022</a:t>
             </a:fld>
             <a:endParaRPr lang="en-US"/>
           </a:p>
@@ -806,7 +806,7 @@
           <a:p>
             <a:fld id="{1D8BD707-D9CF-40AE-B4C6-C98DA3205C09}" type="datetimeFigureOut">
               <a:rPr lang="en-US"/>
-              <a:t>12/16/2022</a:t>
+              <a:t>12/17/2022</a:t>
             </a:fld>
             <a:endParaRPr lang="en-US"/>
           </a:p>
@@ -1048,7 +1048,7 @@
           <a:p>
             <a:fld id="{1D8BD707-D9CF-40AE-B4C6-C98DA3205C09}" type="datetimeFigureOut">
               <a:rPr lang="en-US"/>
-              <a:t>12/16/2022</a:t>
+              <a:t>12/17/2022</a:t>
             </a:fld>
             <a:endParaRPr lang="en-US"/>
           </a:p>
@@ -1175,7 +1175,7 @@
           <a:p>
             <a:fld id="{1D8BD707-D9CF-40AE-B4C6-C98DA3205C09}" type="datetimeFigureOut">
               <a:rPr lang="en-US"/>
-              <a:t>12/16/2022</a:t>
+              <a:t>12/17/2022</a:t>
             </a:fld>
             <a:endParaRPr lang="en-US"/>
           </a:p>
@@ -1462,7 +1462,7 @@
           <a:p>
             <a:fld id="{1D8BD707-D9CF-40AE-B4C6-C98DA3205C09}" type="datetimeFigureOut">
               <a:rPr lang="en-US"/>
-              <a:t>12/16/2022</a:t>
+              <a:t>12/17/2022</a:t>
             </a:fld>
             <a:endParaRPr lang="en-US"/>
           </a:p>
@@ -6569,322 +6569,6 @@
           </a:p>
         </p:txBody>
       </p:sp>
-      <p:sp>
-        <p:nvSpPr>
-          <p:cNvPr id="10" name="object 10"/>
-          <p:cNvSpPr txBox="1"/>
-          <p:nvPr/>
-        </p:nvSpPr>
-        <p:spPr>
-          <a:xfrm>
-            <a:off x="378053" y="2876245"/>
-            <a:ext cx="10988040" cy="574675"/>
-          </a:xfrm>
-          <a:prstGeom prst="rect">
-            <a:avLst/>
-          </a:prstGeom>
-        </p:spPr>
-        <p:txBody>
-          <a:bodyPr vert="horz" wrap="square" lIns="0" tIns="12700" rIns="0" bIns="0" rtlCol="0">
-            <a:spAutoFit/>
-          </a:bodyPr>
-          <a:lstStyle/>
-          <a:p>
-            <a:pPr marL="12700">
-              <a:lnSpc>
-                <a:spcPct val="100000"/>
-              </a:lnSpc>
-              <a:spcBef>
-                <a:spcPts val="100"/>
-              </a:spcBef>
-            </a:pPr>
-            <a:r>
-              <a:rPr sz="1800" b="1" spc="-5" dirty="0">
-                <a:latin typeface="Arial"/>
-                <a:cs typeface="Arial"/>
-              </a:rPr>
-              <a:t>Operação</a:t>
-            </a:r>
-            <a:r>
-              <a:rPr sz="1800" spc="-5" dirty="0">
-                <a:latin typeface="Arial MT"/>
-                <a:cs typeface="Arial MT"/>
-              </a:rPr>
-              <a:t>:</a:t>
-            </a:r>
-            <a:r>
-              <a:rPr sz="1800" spc="-175" dirty="0">
-                <a:latin typeface="Arial MT"/>
-                <a:cs typeface="Arial MT"/>
-              </a:rPr>
-              <a:t> </a:t>
-            </a:r>
-            <a:r>
-              <a:rPr sz="1800" spc="-55" dirty="0">
-                <a:latin typeface="Arial MT"/>
-                <a:cs typeface="Arial MT"/>
-              </a:rPr>
-              <a:t>Término</a:t>
-            </a:r>
-            <a:r>
-              <a:rPr sz="1800" spc="-75" dirty="0">
-                <a:latin typeface="Arial MT"/>
-                <a:cs typeface="Arial MT"/>
-              </a:rPr>
-              <a:t> </a:t>
-            </a:r>
-            <a:r>
-              <a:rPr sz="1800" spc="-10" dirty="0">
-                <a:latin typeface="Arial MT"/>
-                <a:cs typeface="Arial MT"/>
-              </a:rPr>
-              <a:t>de</a:t>
-            </a:r>
-            <a:r>
-              <a:rPr sz="1800" spc="5" dirty="0">
-                <a:latin typeface="Arial MT"/>
-                <a:cs typeface="Arial MT"/>
-              </a:rPr>
-              <a:t> </a:t>
-            </a:r>
-            <a:r>
-              <a:rPr sz="1800" dirty="0">
-                <a:latin typeface="Arial MT"/>
-                <a:cs typeface="Arial MT"/>
-              </a:rPr>
-              <a:t>Obra</a:t>
-            </a:r>
-            <a:r>
-              <a:rPr sz="1800" spc="-50" dirty="0">
-                <a:latin typeface="Arial MT"/>
-                <a:cs typeface="Arial MT"/>
-              </a:rPr>
-              <a:t> </a:t>
-            </a:r>
-            <a:r>
-              <a:rPr sz="1800" spc="-5" dirty="0">
-                <a:latin typeface="Arial MT"/>
-                <a:cs typeface="Arial MT"/>
-              </a:rPr>
-              <a:t>com</a:t>
-            </a:r>
-            <a:r>
-              <a:rPr sz="1800" spc="25" dirty="0">
-                <a:latin typeface="Arial MT"/>
-                <a:cs typeface="Arial MT"/>
-              </a:rPr>
-              <a:t> </a:t>
-            </a:r>
-            <a:r>
-              <a:rPr sz="1800" dirty="0">
-                <a:latin typeface="Arial MT"/>
-                <a:cs typeface="Arial MT"/>
-              </a:rPr>
-              <a:t>o</a:t>
-            </a:r>
-            <a:r>
-              <a:rPr sz="1800" spc="-10" dirty="0">
-                <a:latin typeface="Arial MT"/>
-                <a:cs typeface="Arial MT"/>
-              </a:rPr>
-              <a:t> </a:t>
-            </a:r>
-            <a:r>
-              <a:rPr sz="1800" spc="-5" dirty="0">
-                <a:latin typeface="Arial MT"/>
-                <a:cs typeface="Arial MT"/>
-              </a:rPr>
-              <a:t>valor</a:t>
-            </a:r>
-            <a:r>
-              <a:rPr sz="1800" spc="-10" dirty="0">
-                <a:latin typeface="Arial MT"/>
-                <a:cs typeface="Arial MT"/>
-              </a:rPr>
-              <a:t> </a:t>
-            </a:r>
-            <a:r>
-              <a:rPr sz="1800" spc="-5" dirty="0">
-                <a:latin typeface="Arial MT"/>
-                <a:cs typeface="Arial MT"/>
-              </a:rPr>
-              <a:t>de</a:t>
-            </a:r>
-            <a:r>
-              <a:rPr sz="1800" spc="5" dirty="0">
-                <a:latin typeface="Arial MT"/>
-                <a:cs typeface="Arial MT"/>
-              </a:rPr>
-              <a:t> </a:t>
-            </a:r>
-            <a:r>
-              <a:rPr sz="1800" spc="-5" dirty="0">
-                <a:latin typeface="Arial MT"/>
-                <a:cs typeface="Arial MT"/>
-              </a:rPr>
-              <a:t>R$</a:t>
-            </a:r>
-            <a:r>
-              <a:rPr sz="1800" dirty="0">
-                <a:latin typeface="Arial MT"/>
-                <a:cs typeface="Arial MT"/>
-              </a:rPr>
-              <a:t> </a:t>
-            </a:r>
-            <a:r>
-              <a:rPr sz="1800" spc="-5" dirty="0">
-                <a:latin typeface="Arial MT"/>
-                <a:cs typeface="Arial MT"/>
-              </a:rPr>
-              <a:t>19.000.000,00</a:t>
-            </a:r>
-            <a:r>
-              <a:rPr sz="1800" spc="70" dirty="0">
-                <a:latin typeface="Arial MT"/>
-                <a:cs typeface="Arial MT"/>
-              </a:rPr>
-              <a:t> </a:t>
-            </a:r>
-            <a:r>
-              <a:rPr sz="1800" spc="-5" dirty="0">
-                <a:latin typeface="Arial MT"/>
-                <a:cs typeface="Arial MT"/>
-              </a:rPr>
-              <a:t>destinado</a:t>
-            </a:r>
-            <a:r>
-              <a:rPr sz="1800" spc="-45" dirty="0">
-                <a:latin typeface="Arial MT"/>
-                <a:cs typeface="Arial MT"/>
-              </a:rPr>
-              <a:t> </a:t>
-            </a:r>
-            <a:r>
-              <a:rPr sz="1800" dirty="0">
-                <a:latin typeface="Arial MT"/>
-                <a:cs typeface="Arial MT"/>
-              </a:rPr>
-              <a:t>a</a:t>
-            </a:r>
-            <a:r>
-              <a:rPr sz="1800" spc="15" dirty="0">
-                <a:latin typeface="Arial MT"/>
-                <a:cs typeface="Arial MT"/>
-              </a:rPr>
-              <a:t> </a:t>
-            </a:r>
-            <a:r>
-              <a:rPr sz="1800" spc="-5" dirty="0">
-                <a:latin typeface="Arial MT"/>
-                <a:cs typeface="Arial MT"/>
-              </a:rPr>
-              <a:t>Incorporadora</a:t>
-            </a:r>
-            <a:r>
-              <a:rPr sz="1800" spc="-65" dirty="0">
-                <a:latin typeface="Arial MT"/>
-                <a:cs typeface="Arial MT"/>
-              </a:rPr>
-              <a:t> </a:t>
-            </a:r>
-            <a:r>
-              <a:rPr sz="1800" spc="-5" dirty="0">
-                <a:latin typeface="Arial MT"/>
-                <a:cs typeface="Arial MT"/>
-              </a:rPr>
-              <a:t>para</a:t>
-            </a:r>
-            <a:r>
-              <a:rPr sz="1800" dirty="0">
-                <a:latin typeface="Arial MT"/>
-                <a:cs typeface="Arial MT"/>
-              </a:rPr>
-              <a:t> </a:t>
-            </a:r>
-            <a:r>
-              <a:rPr sz="1800" spc="-5" dirty="0">
-                <a:latin typeface="Arial MT"/>
-                <a:cs typeface="Arial MT"/>
-              </a:rPr>
-              <a:t>finalização</a:t>
-            </a:r>
-            <a:r>
-              <a:rPr sz="1800" spc="-40" dirty="0">
-                <a:latin typeface="Arial MT"/>
-                <a:cs typeface="Arial MT"/>
-              </a:rPr>
-              <a:t> </a:t>
-            </a:r>
-            <a:r>
-              <a:rPr sz="1800" spc="-5" dirty="0">
-                <a:latin typeface="Arial MT"/>
-                <a:cs typeface="Arial MT"/>
-              </a:rPr>
-              <a:t>do</a:t>
-            </a:r>
-            <a:endParaRPr sz="1800" dirty="0">
-              <a:latin typeface="Arial MT"/>
-              <a:cs typeface="Arial MT"/>
-            </a:endParaRPr>
-          </a:p>
-          <a:p>
-            <a:pPr marL="12700">
-              <a:lnSpc>
-                <a:spcPct val="100000"/>
-              </a:lnSpc>
-              <a:spcBef>
-                <a:spcPts val="5"/>
-              </a:spcBef>
-            </a:pPr>
-            <a:r>
-              <a:rPr sz="1800" spc="-5" dirty="0">
-                <a:latin typeface="Arial MT"/>
-                <a:cs typeface="Arial MT"/>
-              </a:rPr>
-              <a:t>empreendimento,</a:t>
-            </a:r>
-            <a:r>
-              <a:rPr sz="1800" spc="-60" dirty="0">
-                <a:latin typeface="Arial MT"/>
-                <a:cs typeface="Arial MT"/>
-              </a:rPr>
-              <a:t> </a:t>
-            </a:r>
-            <a:r>
-              <a:rPr sz="1800" spc="-45" dirty="0">
-                <a:latin typeface="Arial MT"/>
-                <a:cs typeface="Arial MT"/>
-              </a:rPr>
-              <a:t>LTV </a:t>
-            </a:r>
-            <a:r>
-              <a:rPr sz="1800" spc="-5" dirty="0">
-                <a:latin typeface="Arial MT"/>
-                <a:cs typeface="Arial MT"/>
-              </a:rPr>
-              <a:t>de</a:t>
-            </a:r>
-            <a:r>
-              <a:rPr sz="1800" spc="-35" dirty="0">
-                <a:latin typeface="Arial MT"/>
-                <a:cs typeface="Arial MT"/>
-              </a:rPr>
-              <a:t> </a:t>
-            </a:r>
-            <a:r>
-              <a:rPr sz="1800" spc="-5" dirty="0">
-                <a:latin typeface="Arial MT"/>
-                <a:cs typeface="Arial MT"/>
-              </a:rPr>
-              <a:t>41%.</a:t>
-            </a:r>
-            <a:endParaRPr sz="1800" dirty="0">
-              <a:latin typeface="Arial MT"/>
-              <a:cs typeface="Arial MT"/>
-            </a:endParaRPr>
-          </a:p>
-        </p:txBody>
-      </p:sp>
       <p:graphicFrame>
         <p:nvGraphicFramePr>
           <p:cNvPr id="11" name="object 11"/>
